--- a/2- UML-SOLID-Java Giris/w2_OOP_2020.pptx
+++ b/2- UML-SOLID-Java Giris/w2_OOP_2020.pptx
@@ -5,7 +5,7 @@
     <p:sldMasterId id="2147483766" r:id="rId1"/>
   </p:sldMasterIdLst>
   <p:notesMasterIdLst>
-    <p:notesMasterId r:id="rId38"/>
+    <p:notesMasterId r:id="rId37"/>
   </p:notesMasterIdLst>
   <p:sldIdLst>
     <p:sldId id="256" r:id="rId2"/>
@@ -42,8 +42,7 @@
     <p:sldId id="311" r:id="rId33"/>
     <p:sldId id="314" r:id="rId34"/>
     <p:sldId id="281" r:id="rId35"/>
-    <p:sldId id="313" r:id="rId36"/>
-    <p:sldId id="262" r:id="rId37"/>
+    <p:sldId id="262" r:id="rId36"/>
   </p:sldIdLst>
   <p:sldSz cx="12192000" cy="6858000"/>
   <p:notesSz cx="6858000" cy="9144000"/>
@@ -232,7 +231,7 @@
           <a:p>
             <a:fld id="{AD28B2EF-1A80-4400-AB53-58D44E3FB11E}" type="datetimeFigureOut">
               <a:rPr lang="tr-TR" smtClean="0"/>
-              <a:t>17.02.2020</a:t>
+              <a:t>18.02.2020</a:t>
             </a:fld>
             <a:endParaRPr lang="tr-TR"/>
           </a:p>
@@ -984,7 +983,7 @@
           <a:p>
             <a:fld id="{F3DFF3B7-CDDD-40F1-9E00-2CA7C72128F3}" type="slidenum">
               <a:rPr lang="tr-TR" smtClean="0"/>
-              <a:t>36</a:t>
+              <a:t>35</a:t>
             </a:fld>
             <a:endParaRPr lang="tr-TR"/>
           </a:p>
@@ -9912,201 +9911,6 @@
 </file>
 
 <file path=ppt/slides/slide35.xml><?xml version="1.0" encoding="utf-8"?>
-<p:sld xmlns:a="http://schemas.openxmlformats.org/drawingml/2006/main" xmlns:r="http://schemas.openxmlformats.org/officeDocument/2006/relationships" xmlns:p="http://schemas.openxmlformats.org/presentationml/2006/main">
-  <p:cSld>
-    <p:spTree>
-      <p:nvGrpSpPr>
-        <p:cNvPr id="1" name=""/>
-        <p:cNvGrpSpPr/>
-        <p:nvPr/>
-      </p:nvGrpSpPr>
-      <p:grpSpPr>
-        <a:xfrm>
-          <a:off x="0" y="0"/>
-          <a:ext cx="0" cy="0"/>
-          <a:chOff x="0" y="0"/>
-          <a:chExt cx="0" cy="0"/>
-        </a:xfrm>
-      </p:grpSpPr>
-      <p:sp>
-        <p:nvSpPr>
-          <p:cNvPr id="2" name="Title 1"/>
-          <p:cNvSpPr>
-            <a:spLocks noGrp="1"/>
-          </p:cNvSpPr>
-          <p:nvPr>
-            <p:ph type="title"/>
-          </p:nvPr>
-        </p:nvSpPr>
-        <p:spPr/>
-        <p:txBody>
-          <a:bodyPr/>
-          <a:lstStyle/>
-          <a:p>
-            <a:r>
-              <a:rPr lang="tr-TR" dirty="0" smtClean="0"/>
-              <a:t>LAB </a:t>
-            </a:r>
-            <a:r>
-              <a:rPr lang="tr-TR" dirty="0" err="1" smtClean="0"/>
-              <a:t>Study</a:t>
-            </a:r>
-            <a:endParaRPr lang="en-US" dirty="0"/>
-          </a:p>
-        </p:txBody>
-      </p:sp>
-      <p:sp>
-        <p:nvSpPr>
-          <p:cNvPr id="3" name="Content Placeholder 2"/>
-          <p:cNvSpPr>
-            <a:spLocks noGrp="1"/>
-          </p:cNvSpPr>
-          <p:nvPr>
-            <p:ph idx="1"/>
-          </p:nvPr>
-        </p:nvSpPr>
-        <p:spPr/>
-        <p:txBody>
-          <a:bodyPr/>
-          <a:lstStyle/>
-          <a:p>
-            <a:r>
-              <a:rPr lang="tr-TR" dirty="0" err="1" smtClean="0"/>
-              <a:t>Pull</a:t>
-            </a:r>
-            <a:r>
-              <a:rPr lang="tr-TR" dirty="0" smtClean="0"/>
-              <a:t> assignment_01 in </a:t>
-            </a:r>
-            <a:r>
-              <a:rPr lang="tr-TR" dirty="0" err="1" smtClean="0"/>
-              <a:t>lab</a:t>
-            </a:r>
-            <a:r>
-              <a:rPr lang="tr-TR" dirty="0" smtClean="0"/>
-              <a:t> </a:t>
-            </a:r>
-            <a:r>
-              <a:rPr lang="tr-TR" dirty="0" err="1" smtClean="0"/>
-              <a:t>folder</a:t>
-            </a:r>
-            <a:r>
-              <a:rPr lang="tr-TR" dirty="0" smtClean="0"/>
-              <a:t> </a:t>
-            </a:r>
-            <a:r>
-              <a:rPr lang="tr-TR" dirty="0" err="1" smtClean="0"/>
-              <a:t>from</a:t>
-            </a:r>
-            <a:r>
-              <a:rPr lang="tr-TR" dirty="0" smtClean="0"/>
-              <a:t> </a:t>
-            </a:r>
-            <a:r>
-              <a:rPr lang="tr-TR" dirty="0" err="1" smtClean="0"/>
-              <a:t>github</a:t>
-            </a:r>
-            <a:r>
-              <a:rPr lang="tr-TR" dirty="0" smtClean="0"/>
-              <a:t> </a:t>
-            </a:r>
-            <a:r>
-              <a:rPr lang="tr-TR" dirty="0" err="1" smtClean="0"/>
-              <a:t>repository</a:t>
-            </a:r>
-            <a:endParaRPr lang="tr-TR" dirty="0" smtClean="0"/>
-          </a:p>
-          <a:p>
-            <a:pPr marL="457200" lvl="1" indent="0">
-              <a:buNone/>
-            </a:pPr>
-            <a:r>
-              <a:rPr lang="en-US" dirty="0">
-                <a:hlinkClick r:id="rId2"/>
-              </a:rPr>
-              <a:t>https://github.com/handanyarici/Medipol_OOP_2020/tree/master/2-%</a:t>
-            </a:r>
-            <a:r>
-              <a:rPr lang="en-US" dirty="0" smtClean="0">
-                <a:hlinkClick r:id="rId2"/>
-              </a:rPr>
-              <a:t>20UML-SOLID-Java%20Giris</a:t>
-            </a:r>
-            <a:endParaRPr lang="tr-TR" dirty="0" smtClean="0"/>
-          </a:p>
-          <a:p>
-            <a:r>
-              <a:rPr lang="tr-TR" dirty="0" err="1" smtClean="0"/>
-              <a:t>Implement</a:t>
-            </a:r>
-            <a:r>
-              <a:rPr lang="tr-TR" dirty="0" smtClean="0"/>
-              <a:t> </a:t>
-            </a:r>
-            <a:r>
-              <a:rPr lang="tr-TR" dirty="0" err="1" smtClean="0"/>
-              <a:t>the</a:t>
-            </a:r>
-            <a:r>
-              <a:rPr lang="tr-TR" dirty="0" smtClean="0"/>
-              <a:t> </a:t>
-            </a:r>
-            <a:r>
-              <a:rPr lang="en-US" dirty="0" err="1" smtClean="0"/>
-              <a:t>middleThree</a:t>
-            </a:r>
-            <a:r>
-              <a:rPr lang="tr-TR" dirty="0" smtClean="0"/>
-              <a:t> </a:t>
-            </a:r>
-            <a:r>
-              <a:rPr lang="tr-TR" dirty="0" err="1" smtClean="0"/>
-              <a:t>method</a:t>
-            </a:r>
-            <a:endParaRPr lang="en-US" dirty="0"/>
-          </a:p>
-        </p:txBody>
-      </p:sp>
-      <p:sp>
-        <p:nvSpPr>
-          <p:cNvPr id="4" name="Date Placeholder 3"/>
-          <p:cNvSpPr>
-            <a:spLocks noGrp="1"/>
-          </p:cNvSpPr>
-          <p:nvPr>
-            <p:ph type="dt" sz="half" idx="10"/>
-          </p:nvPr>
-        </p:nvSpPr>
-        <p:spPr/>
-        <p:txBody>
-          <a:bodyPr/>
-          <a:lstStyle/>
-          <a:p>
-            <a:r>
-              <a:rPr lang="en-US" smtClean="0"/>
-              <a:t>18.02.2020 </a:t>
-            </a:r>
-            <a:endParaRPr lang="tr-TR"/>
-          </a:p>
-        </p:txBody>
-      </p:sp>
-    </p:spTree>
-    <p:extLst>
-      <p:ext uri="{BB962C8B-B14F-4D97-AF65-F5344CB8AC3E}">
-        <p14:creationId xmlns:p14="http://schemas.microsoft.com/office/powerpoint/2010/main" val="2400464635"/>
-      </p:ext>
-    </p:extLst>
-  </p:cSld>
-  <p:clrMapOvr>
-    <a:masterClrMapping/>
-  </p:clrMapOvr>
-  <p:transition spd="slow">
-    <p:push dir="u"/>
-  </p:transition>
-</p:sld>
-</file>
-
-<file path=ppt/slides/slide36.xml><?xml version="1.0" encoding="utf-8"?>
 <p:sld xmlns:a="http://schemas.openxmlformats.org/drawingml/2006/main" xmlns:r="http://schemas.openxmlformats.org/officeDocument/2006/relationships" xmlns:p="http://schemas.openxmlformats.org/presentationml/2006/main">
   <p:cSld>
     <p:spTree>
